--- a/Whiteboard design session/WDS trainer presentation - Oracle to PostgreSQL.pptx
+++ b/Whiteboard design session/WDS trainer presentation - Oracle to PostgreSQL.pptx
@@ -611,7 +611,7 @@
                 <a:ea typeface="+mn-ea"/>
                 <a:cs typeface="Segoe UI" panose="020B0502040204020203" pitchFamily="34" charset="0"/>
               </a:rPr>
-              <a:t>© 2018 Microsoft Corporation. All rights reserved. Microsoft and the trademarks listed at </a:t>
+              <a:t>© 2020 Microsoft Corporation. All rights reserved. Microsoft and the trademarks listed at </a:t>
             </a:r>
             <a:r>
               <a:rPr lang="en-US" sz="950" kern="1200" dirty="0">
@@ -4959,7 +4959,7 @@
                   <a:prstClr val="black"/>
                 </a:solidFill>
               </a:rPr>
-              <a:t>7/10/2020 4:02 PM</a:t>
+              <a:t>7/10/2020 7:06 PM</a:t>
             </a:fld>
             <a:endParaRPr lang="en-US" dirty="0">
               <a:solidFill>
@@ -18982,7 +18982,7 @@
       </p:sp>
       <p:pic>
         <p:nvPicPr>
-          <p:cNvPr id="5" name="Picture 4" descr="A screenshot of a cell phone&#10;&#10;Description automatically generated">
+          <p:cNvPr id="5" name="Picture 4" descr="This picture shows the dataflow.">
             <a:extLst>
               <a:ext uri="{FF2B5EF4-FFF2-40B4-BE49-F238E27FC236}">
                 <a16:creationId xmlns:a16="http://schemas.microsoft.com/office/drawing/2014/main" id="{5170E7AA-7FB4-49B0-8E9E-3B14D7F23263}"/>
@@ -20477,7 +20477,7 @@
       </p:sp>
       <p:pic>
         <p:nvPicPr>
-          <p:cNvPr id="5" name="Picture 4" descr="A close up of a logo&#10;&#10;Description automatically generated">
+          <p:cNvPr id="5" name="Picture 4" descr="Shows the migration path from Oracle to Azure Database for PostgreSQL">
             <a:extLst>
               <a:ext uri="{FF2B5EF4-FFF2-40B4-BE49-F238E27FC236}">
                 <a16:creationId xmlns:a16="http://schemas.microsoft.com/office/drawing/2014/main" id="{01069F01-853A-4149-9985-62644DCA32E4}"/>
@@ -21119,7 +21119,7 @@
                 <a:latin typeface="Segoe UI Semilight" panose="020B0402040204020203" pitchFamily="34" charset="0"/>
                 <a:cs typeface="Segoe UI Semilight" panose="020B0402040204020203" pitchFamily="34" charset="0"/>
               </a:rPr>
-              <a:t>In this whiteboard design session, you work with a group to design a proof of concept (POC) for conducting a site analysis for a customer to compare cost, performance, and level of effort required to migrate from Oracle to PostgreSQL. You evaluate the dependent applications and reports that need to be updated and come up with a migration plan. Also, you review ways to help the customer take advantage of new PostgreSQL features to improve performance and resiliency and consider the impact of migrating from on-premises to the cloud.</a:t>
+              <a:t>In this whiteboard design session, you work with a group to design a proof of concept (POC) for conducting a site analysis for a customer to compare cost, performance, and level of effort required to migrate from Oracle to Azure Database for PostgreSQL. You evaluate the dependent applications and reports that need to be updated and come up with a migration plan. Also, you review ways to help the customer take advantage of new PostgreSQL features to improve performance and resiliency and consider the impact of migrating from on-premises to the cloud.</a:t>
             </a:r>
           </a:p>
           <a:p>
@@ -21284,7 +21284,7 @@
       </p:sp>
       <p:pic>
         <p:nvPicPr>
-          <p:cNvPr id="5" name="Picture 4">
+          <p:cNvPr id="5" name="Picture 4" descr="The picture shows the log data moving from PostgreSQL to Azure Monitor.">
             <a:extLst>
               <a:ext uri="{FF2B5EF4-FFF2-40B4-BE49-F238E27FC236}">
                 <a16:creationId xmlns:a16="http://schemas.microsoft.com/office/drawing/2014/main" id="{3D15D6FB-A2F1-4859-8BA6-3980BD7FBD58}"/>
@@ -22910,7 +22910,7 @@
       </p:sp>
       <p:pic>
         <p:nvPicPr>
-          <p:cNvPr id="5" name="Picture 4">
+          <p:cNvPr id="5" name="Picture 4" descr="The picture shows the migration direction from one database to Azure Database for PostgreSQL">
             <a:extLst>
               <a:ext uri="{FF2B5EF4-FFF2-40B4-BE49-F238E27FC236}">
                 <a16:creationId xmlns:a16="http://schemas.microsoft.com/office/drawing/2014/main" id="{FCA0F8C4-3262-4990-A1C6-28D99301D6D9}"/>

--- a/Whiteboard design session/WDS trainer presentation - Oracle to PostgreSQL.pptx
+++ b/Whiteboard design session/WDS trainer presentation - Oracle to PostgreSQL.pptx
@@ -226,7 +226,7 @@
           <a:p>
             <a:fld id="{52A13B17-C506-4D51-BB37-16B365906619}" type="datetimeFigureOut">
               <a:rPr lang="en-US" smtClean="0"/>
-              <a:t>7/10/2020</a:t>
+              <a:t>7/23/2020</a:t>
             </a:fld>
             <a:endParaRPr lang="en-US" dirty="0"/>
           </a:p>
@@ -4959,7 +4959,7 @@
                   <a:prstClr val="black"/>
                 </a:solidFill>
               </a:rPr>
-              <a:t>7/10/2020 7:06 PM</a:t>
+              <a:t>7/23/2020 8:20 PM</a:t>
             </a:fld>
             <a:endParaRPr lang="en-US" dirty="0">
               <a:solidFill>
@@ -18646,9 +18646,16 @@
           <a:lstStyle/>
           <a:p>
             <a:r>
-              <a:rPr lang="en-US" dirty="0"/>
-              <a:t>Data platform upgrade and migration – Oracle to PostgreSQL</a:t>
-            </a:r>
+              <a:rPr lang="en-US" sz="4500" b="0" dirty="0">
+                <a:solidFill>
+                  <a:srgbClr val="D4D4D4"/>
+                </a:solidFill>
+                <a:effectLst/>
+                <a:latin typeface="Consolas" panose="020B0609020204030204" pitchFamily="49" charset="0"/>
+              </a:rPr>
+              <a:t>Migrating Oracle to Azure SQL and PostgreSQL</a:t>
+            </a:r>
+            <a:endParaRPr lang="en-US" sz="4500" dirty="0"/>
           </a:p>
         </p:txBody>
       </p:sp>
